--- a/Resume/AmruthaResume.pptx
+++ b/Resume/AmruthaResume.pptx
@@ -230,7 +230,7 @@
             <a:fld id="{86C988DC-9DE3-4390-97AB-D61B85DACE57}" type="datetimeFigureOut">
               <a:rPr lang="pt-PT" sz="900" smtClean="0"/>
               <a:pPr/>
-              <a:t>04/10/2021</a:t>
+              <a:t>10/10/2021</a:t>
             </a:fld>
             <a:endParaRPr lang="pt-PT" sz="900"/>
           </a:p>
@@ -409,7 +409,7 @@
             <a:fld id="{0835B8F7-DAC4-4931-8AED-4356A8B2FD64}" type="datetimeFigureOut">
               <a:rPr lang="pt-BR" smtClean="0"/>
               <a:pPr/>
-              <a:t>04/10/2021</a:t>
+              <a:t>10/10/2021</a:t>
             </a:fld>
             <a:endParaRPr lang="pt-BR"/>
           </a:p>
@@ -2174,7 +2174,7 @@
           <a:graphicData uri="http://schemas.openxmlformats.org/presentationml/2006/ole">
             <mc:AlternateContent xmlns:mc="http://schemas.openxmlformats.org/markup-compatibility/2006">
               <mc:Choice xmlns:v="urn:schemas-microsoft-com:vml" Requires="v">
-                <p:oleObj spid="_x0000_s2052" name="think-cell Slide" r:id="rId4" imgW="270" imgH="270" progId="TCLayout.ActiveDocument.1">
+                <p:oleObj spid="_x0000_s2055" name="think-cell Slide" r:id="rId4" imgW="270" imgH="270" progId="TCLayout.ActiveDocument.1">
                   <p:embed/>
                 </p:oleObj>
               </mc:Choice>
@@ -2643,7 +2643,7 @@
           <a:graphicData uri="http://schemas.openxmlformats.org/presentationml/2006/ole">
             <mc:AlternateContent xmlns:mc="http://schemas.openxmlformats.org/markup-compatibility/2006">
               <mc:Choice xmlns:v="urn:schemas-microsoft-com:vml" Requires="v">
-                <p:oleObj spid="_x0000_s3076" name="think-cell Slide" r:id="rId4" imgW="270" imgH="270" progId="TCLayout.ActiveDocument.1">
+                <p:oleObj spid="_x0000_s3079" name="think-cell Slide" r:id="rId4" imgW="270" imgH="270" progId="TCLayout.ActiveDocument.1">
                   <p:embed/>
                 </p:oleObj>
               </mc:Choice>
@@ -5137,7 +5137,7 @@
           <a:graphicData uri="http://schemas.openxmlformats.org/presentationml/2006/ole">
             <mc:AlternateContent xmlns:mc="http://schemas.openxmlformats.org/markup-compatibility/2006">
               <mc:Choice xmlns:v="urn:schemas-microsoft-com:vml" Requires="v">
-                <p:oleObj spid="_x0000_s1028" name="think-cell Slide" r:id="rId12" imgW="270" imgH="270" progId="TCLayout.ActiveDocument.1">
+                <p:oleObj spid="_x0000_s1031" name="think-cell Slide" r:id="rId12" imgW="270" imgH="270" progId="TCLayout.ActiveDocument.1">
                   <p:embed/>
                 </p:oleObj>
               </mc:Choice>
@@ -6502,7 +6502,21 @@
                 <a:latin typeface="Verdana" panose="020B0604030504040204" pitchFamily="34" charset="0"/>
                 <a:ea typeface="Verdana" panose="020B0604030504040204" pitchFamily="34" charset="0"/>
               </a:rPr>
-              <a:t>Completed end to end case study of Deals and Coupons Finder Application .There are Multiple Microservices. Implemented eureka server and  Spring cloud API Gateway. Front End with Angular 12 and Angular CLI. Back End with MongoDB.</a:t>
+              <a:t>Completed end to end case study of Deals and Coupons Finder Application .There are Multiple Microservices. Implemented eureka server and  Spring cloud API Gateway. Front End </a:t>
+            </a:r>
+            <a:r>
+              <a:rPr lang="en-IN" altLang="en-US" sz="1100">
+                <a:latin typeface="Verdana" panose="020B0604030504040204" pitchFamily="34" charset="0"/>
+                <a:ea typeface="Verdana" panose="020B0604030504040204" pitchFamily="34" charset="0"/>
+              </a:rPr>
+              <a:t>with Angular. </a:t>
+            </a:r>
+            <a:r>
+              <a:rPr lang="en-IN" altLang="en-US" sz="1100" dirty="0">
+                <a:latin typeface="Verdana" panose="020B0604030504040204" pitchFamily="34" charset="0"/>
+                <a:ea typeface="Verdana" panose="020B0604030504040204" pitchFamily="34" charset="0"/>
+              </a:rPr>
+              <a:t>Back End with MongoDB.</a:t>
             </a:r>
             <a:endParaRPr lang="en-US" altLang="nl-NL" sz="1100" b="1" dirty="0">
               <a:latin typeface="Verdana" panose="020B0604030504040204" pitchFamily="34" charset="0"/>
@@ -7846,6 +7860,7 @@
       <p:pic>
         <p:nvPicPr>
           <p:cNvPr id="7181" name="Picture 6" descr="Movie, play, video icon">
+            <a:hlinkClick r:id="rId5"/>
             <a:extLst>
               <a:ext uri="{FF2B5EF4-FFF2-40B4-BE49-F238E27FC236}">
                 <a16:creationId xmlns:a16="http://schemas.microsoft.com/office/drawing/2014/main" id="{568E79A1-196A-4599-9F1F-AD39B99F1222}"/>
@@ -7858,7 +7873,7 @@
           <p:nvPr/>
         </p:nvPicPr>
         <p:blipFill>
-          <a:blip r:embed="rId5">
+          <a:blip r:embed="rId6">
             <a:extLst>
               <a:ext uri="{28A0092B-C50C-407E-A947-70E740481C1C}">
                 <a14:useLocalDpi xmlns:a14="http://schemas.microsoft.com/office/drawing/2010/main" val="0"/>
@@ -7918,7 +7933,7 @@
           <p:nvPr/>
         </p:nvPicPr>
         <p:blipFill>
-          <a:blip r:embed="rId6">
+          <a:blip r:embed="rId7">
             <a:extLst>
               <a:ext uri="{28A0092B-C50C-407E-A947-70E740481C1C}">
                 <a14:useLocalDpi xmlns:a14="http://schemas.microsoft.com/office/drawing/2010/main" val="0"/>
@@ -8207,7 +8222,7 @@
           </p:nvPr>
         </p:nvPicPr>
         <p:blipFill>
-          <a:blip r:embed="rId7">
+          <a:blip r:embed="rId8">
             <a:extLst>
               <a:ext uri="{28A0092B-C50C-407E-A947-70E740481C1C}">
                 <a14:useLocalDpi xmlns:a14="http://schemas.microsoft.com/office/drawing/2010/main" val="0"/>
@@ -8862,6 +8877,21 @@
 </file>
 
 <file path=customXml/item1.xml><?xml version="1.0" encoding="utf-8"?>
+<p:properties xmlns:p="http://schemas.microsoft.com/office/2006/metadata/properties" xmlns:xsi="http://www.w3.org/2001/XMLSchema-instance" xmlns:pc="http://schemas.microsoft.com/office/infopath/2007/PartnerControls">
+  <documentManagement/>
+</p:properties>
+</file>
+
+<file path=customXml/item2.xml><?xml version="1.0" encoding="utf-8"?>
+<?mso-contentType ?>
+<FormTemplates xmlns="http://schemas.microsoft.com/sharepoint/v3/contenttype/forms">
+  <Display>DocumentLibraryForm</Display>
+  <Edit>DocumentLibraryForm</Edit>
+  <New>DocumentLibraryForm</New>
+</FormTemplates>
+</file>
+
+<file path=customXml/item3.xml><?xml version="1.0" encoding="utf-8"?>
 <ct:contentTypeSchema xmlns:ct="http://schemas.microsoft.com/office/2006/metadata/contentType" xmlns:ma="http://schemas.microsoft.com/office/2006/metadata/properties/metaAttributes" ct:_="" ma:_="" ma:contentTypeName="Document" ma:contentTypeID="0x0101005002ACB8F81EC8489A4DF17045E90748" ma:contentTypeVersion="7" ma:contentTypeDescription="Create a new document." ma:contentTypeScope="" ma:versionID="14eca6baf0dc776edd3b59ffa3a025ba">
   <xsd:schema xmlns:xsd="http://www.w3.org/2001/XMLSchema" xmlns:xs="http://www.w3.org/2001/XMLSchema" xmlns:p="http://schemas.microsoft.com/office/2006/metadata/properties" xmlns:ns3="fd33c62d-2c11-46e7-88a2-e90fa986d9d0" xmlns:ns4="47da6acf-edf2-43bc-9595-f721a214a14e" targetNamespace="http://schemas.microsoft.com/office/2006/metadata/properties" ma:root="true" ma:fieldsID="5aa4caa8a8c18e5332c88e7cf95cf085" ns3:_="" ns4:_="">
     <xsd:import namespace="fd33c62d-2c11-46e7-88a2-e90fa986d9d0"/>
@@ -9046,22 +9076,24 @@
 </ct:contentTypeSchema>
 </file>
 
-<file path=customXml/item2.xml><?xml version="1.0" encoding="utf-8"?>
-<?mso-contentType ?>
-<FormTemplates xmlns="http://schemas.microsoft.com/sharepoint/v3/contenttype/forms">
-  <Display>DocumentLibraryForm</Display>
-  <Edit>DocumentLibraryForm</Edit>
-  <New>DocumentLibraryForm</New>
-</FormTemplates>
+<file path=customXml/itemProps1.xml><?xml version="1.0" encoding="utf-8"?>
+<ds:datastoreItem xmlns:ds="http://schemas.openxmlformats.org/officeDocument/2006/customXml" ds:itemID="{A2EFE742-3A8E-4E5A-B843-9354826E5980}">
+  <ds:schemaRefs>
+    <ds:schemaRef ds:uri="http://schemas.microsoft.com/office/2006/metadata/properties"/>
+    <ds:schemaRef ds:uri="http://schemas.microsoft.com/office/infopath/2007/PartnerControls"/>
+  </ds:schemaRefs>
+</ds:datastoreItem>
 </file>
 
-<file path=customXml/item3.xml><?xml version="1.0" encoding="utf-8"?>
-<p:properties xmlns:p="http://schemas.microsoft.com/office/2006/metadata/properties" xmlns:xsi="http://www.w3.org/2001/XMLSchema-instance" xmlns:pc="http://schemas.microsoft.com/office/infopath/2007/PartnerControls">
-  <documentManagement/>
-</p:properties>
+<file path=customXml/itemProps2.xml><?xml version="1.0" encoding="utf-8"?>
+<ds:datastoreItem xmlns:ds="http://schemas.openxmlformats.org/officeDocument/2006/customXml" ds:itemID="{86B5E10D-1A37-4C30-B41B-C15D05619982}">
+  <ds:schemaRefs>
+    <ds:schemaRef ds:uri="http://schemas.microsoft.com/sharepoint/v3/contenttype/forms"/>
+  </ds:schemaRefs>
+</ds:datastoreItem>
 </file>
 
-<file path=customXml/itemProps1.xml><?xml version="1.0" encoding="utf-8"?>
+<file path=customXml/itemProps3.xml><?xml version="1.0" encoding="utf-8"?>
 <ds:datastoreItem xmlns:ds="http://schemas.openxmlformats.org/officeDocument/2006/customXml" ds:itemID="{E4D25D96-23E3-4774-8182-19BEEAF42C67}">
   <ds:schemaRefs>
     <ds:schemaRef ds:uri="http://schemas.microsoft.com/office/2006/metadata/contentType"/>
@@ -9078,21 +9110,4 @@
     <ds:schemaRef ds:uri="http://schemas.microsoft.com/internal/obd"/>
   </ds:schemaRefs>
 </ds:datastoreItem>
-</file>
-
-<file path=customXml/itemProps2.xml><?xml version="1.0" encoding="utf-8"?>
-<ds:datastoreItem xmlns:ds="http://schemas.openxmlformats.org/officeDocument/2006/customXml" ds:itemID="{86B5E10D-1A37-4C30-B41B-C15D05619982}">
-  <ds:schemaRefs>
-    <ds:schemaRef ds:uri="http://schemas.microsoft.com/sharepoint/v3/contenttype/forms"/>
-  </ds:schemaRefs>
-</ds:datastoreItem>
-</file>
-
-<file path=customXml/itemProps3.xml><?xml version="1.0" encoding="utf-8"?>
-<ds:datastoreItem xmlns:ds="http://schemas.openxmlformats.org/officeDocument/2006/customXml" ds:itemID="{A2EFE742-3A8E-4E5A-B843-9354826E5980}">
-  <ds:schemaRefs>
-    <ds:schemaRef ds:uri="http://schemas.microsoft.com/office/2006/metadata/properties"/>
-    <ds:schemaRef ds:uri="http://schemas.microsoft.com/office/infopath/2007/PartnerControls"/>
-  </ds:schemaRefs>
-</ds:datastoreItem>
 </file>